--- a/src/奥莱购.pptx
+++ b/src/奥莱购.pptx
@@ -4339,7 +4339,7 @@
         </p:nvSpPr>
         <p:spPr>
           <a:xfrm>
-            <a:off x="3159760" y="4851400"/>
+            <a:off x="2807970" y="4064635"/>
             <a:ext cx="5872480" cy="579120"/>
           </a:xfrm>
           <a:prstGeom prst="rect">
@@ -4370,6 +4370,112 @@
                   <a:lumOff val="40000"/>
                 </a:schemeClr>
               </a:solidFill>
+            </a:endParaRPr>
+          </a:p>
+        </p:txBody>
+      </p:sp>
+      <p:sp>
+        <p:nvSpPr>
+          <p:cNvPr id="2" name="文本框 1"/>
+          <p:cNvSpPr txBox="1"/>
+          <p:nvPr/>
+        </p:nvSpPr>
+        <p:spPr>
+          <a:xfrm>
+            <a:off x="2440940" y="5069205"/>
+            <a:ext cx="6605905" cy="521970"/>
+          </a:xfrm>
+          <a:prstGeom prst="rect">
+            <a:avLst/>
+          </a:prstGeom>
+          <a:noFill/>
+        </p:spPr>
+        <p:txBody>
+          <a:bodyPr wrap="square" rtlCol="0">
+            <a:spAutoFit/>
+          </a:bodyPr>
+          <a:p>
+            <a:r>
+              <a:rPr lang="zh-CN" altLang="en-US" sz="2800">
+                <a:ln/>
+                <a:solidFill>
+                  <a:schemeClr val="accent1"/>
+                </a:solidFill>
+                <a:effectLst>
+                  <a:outerShdw blurRad="38100" dist="25400" dir="5400000" algn="ctr" rotWithShape="0">
+                    <a:srgbClr val="6E747A">
+                      <a:alpha val="43000"/>
+                    </a:srgbClr>
+                  </a:outerShdw>
+                </a:effectLst>
+              </a:rPr>
+              <a:t>https://github.com/cenhaifei/aolaigou.git</a:t>
+            </a:r>
+            <a:endParaRPr lang="zh-CN" altLang="en-US" sz="2800">
+              <a:ln/>
+              <a:solidFill>
+                <a:schemeClr val="accent1"/>
+              </a:solidFill>
+              <a:effectLst>
+                <a:outerShdw blurRad="38100" dist="25400" dir="5400000" algn="ctr" rotWithShape="0">
+                  <a:srgbClr val="6E747A">
+                    <a:alpha val="43000"/>
+                  </a:srgbClr>
+                </a:outerShdw>
+              </a:effectLst>
+            </a:endParaRPr>
+          </a:p>
+        </p:txBody>
+      </p:sp>
+      <p:sp>
+        <p:nvSpPr>
+          <p:cNvPr id="4" name="文本框 3"/>
+          <p:cNvSpPr txBox="1"/>
+          <p:nvPr/>
+        </p:nvSpPr>
+        <p:spPr>
+          <a:xfrm>
+            <a:off x="2462530" y="5940425"/>
+            <a:ext cx="6020435" cy="521970"/>
+          </a:xfrm>
+          <a:prstGeom prst="rect">
+            <a:avLst/>
+          </a:prstGeom>
+          <a:noFill/>
+        </p:spPr>
+        <p:txBody>
+          <a:bodyPr wrap="square" rtlCol="0">
+            <a:spAutoFit/>
+          </a:bodyPr>
+          <a:p>
+            <a:r>
+              <a:rPr lang="zh-CN" altLang="en-US" sz="2800">
+                <a:ln/>
+                <a:solidFill>
+                  <a:schemeClr val="accent1"/>
+                </a:solidFill>
+                <a:effectLst>
+                  <a:outerShdw blurRad="38100" dist="25400" dir="5400000" algn="ctr" rotWithShape="0">
+                    <a:srgbClr val="6E747A">
+                      <a:alpha val="43000"/>
+                    </a:srgbClr>
+                  </a:outerShdw>
+                </a:effectLst>
+              </a:rPr>
+              <a:t>http://10.16.151.27:8080/index.html</a:t>
+            </a:r>
+            <a:endParaRPr lang="zh-CN" altLang="en-US" sz="2800">
+              <a:ln/>
+              <a:solidFill>
+                <a:schemeClr val="accent1"/>
+              </a:solidFill>
+              <a:effectLst>
+                <a:outerShdw blurRad="38100" dist="25400" dir="5400000" algn="ctr" rotWithShape="0">
+                  <a:srgbClr val="6E747A">
+                    <a:alpha val="43000"/>
+                  </a:srgbClr>
+                </a:outerShdw>
+              </a:effectLst>
             </a:endParaRPr>
           </a:p>
         </p:txBody>
